--- a/Weeks/Week 2/voltage, current, resistence.pptx
+++ b/Weeks/Week 2/voltage, current, resistence.pptx
@@ -17,7 +17,12 @@
     <p:sldId id="267" r:id="rId11"/>
     <p:sldId id="268" r:id="rId12"/>
     <p:sldId id="264" r:id="rId13"/>
-    <p:sldId id="270" r:id="rId14"/>
+    <p:sldId id="271" r:id="rId14"/>
+    <p:sldId id="270" r:id="rId15"/>
+    <p:sldId id="272" r:id="rId16"/>
+    <p:sldId id="274" r:id="rId17"/>
+    <p:sldId id="276" r:id="rId18"/>
+    <p:sldId id="273" r:id="rId19"/>
   </p:sldIdLst>
   <p:sldSz cx="9144000" cy="6858000" type="screen4x3"/>
   <p:notesSz cx="6858000" cy="9144000"/>
@@ -3639,6 +3644,84 @@
         </p:nvSpPr>
         <p:spPr/>
         <p:txBody>
+          <a:bodyPr/>
+          <a:lstStyle/>
+          <a:p>
+            <a:r>
+              <a:rPr lang="en-US" dirty="0" smtClean="0"/>
+              <a:t>Resistors</a:t>
+            </a:r>
+            <a:endParaRPr lang="en-US" dirty="0"/>
+          </a:p>
+        </p:txBody>
+      </p:sp>
+      <p:sp>
+        <p:nvSpPr>
+          <p:cNvPr id="3" name="Content Placeholder 2"/>
+          <p:cNvSpPr>
+            <a:spLocks noGrp="1"/>
+          </p:cNvSpPr>
+          <p:nvPr>
+            <p:ph idx="1"/>
+          </p:nvPr>
+        </p:nvSpPr>
+        <p:spPr/>
+        <p:txBody>
+          <a:bodyPr/>
+          <a:lstStyle/>
+          <a:p>
+            <a:r>
+              <a:rPr lang="en-US" dirty="0" smtClean="0"/>
+              <a:t>Electrical component creating resistance in a circuit &amp; at same time lower voltage levels (remember how current/voltage is directly related? )</a:t>
+            </a:r>
+          </a:p>
+          <a:p>
+            <a:endParaRPr lang="en-US" dirty="0"/>
+          </a:p>
+        </p:txBody>
+      </p:sp>
+    </p:spTree>
+    <p:extLst>
+      <p:ext uri="{BB962C8B-B14F-4D97-AF65-F5344CB8AC3E}">
+        <p14:creationId xmlns:p14="http://schemas.microsoft.com/office/powerpoint/2010/main" val="2291459623"/>
+      </p:ext>
+    </p:extLst>
+  </p:cSld>
+  <p:clrMapOvr>
+    <a:masterClrMapping/>
+  </p:clrMapOvr>
+</p:sld>
+</file>
+
+<file path=ppt/slides/slide14.xml><?xml version="1.0" encoding="utf-8"?>
+<p:sld xmlns:a="http://schemas.openxmlformats.org/drawingml/2006/main" xmlns:r="http://schemas.openxmlformats.org/officeDocument/2006/relationships" xmlns:p="http://schemas.openxmlformats.org/presentationml/2006/main">
+  <p:cSld>
+    <p:spTree>
+      <p:nvGrpSpPr>
+        <p:cNvPr id="1" name=""/>
+        <p:cNvGrpSpPr/>
+        <p:nvPr/>
+      </p:nvGrpSpPr>
+      <p:grpSpPr>
+        <a:xfrm>
+          <a:off x="0" y="0"/>
+          <a:ext cx="0" cy="0"/>
+          <a:chOff x="0" y="0"/>
+          <a:chExt cx="0" cy="0"/>
+        </a:xfrm>
+      </p:grpSpPr>
+      <p:sp>
+        <p:nvSpPr>
+          <p:cNvPr id="2" name="Title 1"/>
+          <p:cNvSpPr>
+            <a:spLocks noGrp="1"/>
+          </p:cNvSpPr>
+          <p:nvPr>
+            <p:ph type="title"/>
+          </p:nvPr>
+        </p:nvSpPr>
+        <p:spPr/>
+        <p:txBody>
           <a:bodyPr>
             <a:normAutofit fontScale="90000"/>
           </a:bodyPr>
@@ -3689,6 +3772,315 @@
     <p:extLst>
       <p:ext uri="{BB962C8B-B14F-4D97-AF65-F5344CB8AC3E}">
         <p14:creationId xmlns:p14="http://schemas.microsoft.com/office/powerpoint/2010/main" val="1289155509"/>
+      </p:ext>
+    </p:extLst>
+  </p:cSld>
+  <p:clrMapOvr>
+    <a:masterClrMapping/>
+  </p:clrMapOvr>
+</p:sld>
+</file>
+
+<file path=ppt/slides/slide15.xml><?xml version="1.0" encoding="utf-8"?>
+<p:sld xmlns:a="http://schemas.openxmlformats.org/drawingml/2006/main" xmlns:r="http://schemas.openxmlformats.org/officeDocument/2006/relationships" xmlns:p="http://schemas.openxmlformats.org/presentationml/2006/main">
+  <p:cSld>
+    <p:spTree>
+      <p:nvGrpSpPr>
+        <p:cNvPr id="1" name=""/>
+        <p:cNvGrpSpPr/>
+        <p:nvPr/>
+      </p:nvGrpSpPr>
+      <p:grpSpPr>
+        <a:xfrm>
+          <a:off x="0" y="0"/>
+          <a:ext cx="0" cy="0"/>
+          <a:chOff x="0" y="0"/>
+          <a:chExt cx="0" cy="0"/>
+        </a:xfrm>
+      </p:grpSpPr>
+      <p:sp>
+        <p:nvSpPr>
+          <p:cNvPr id="2" name="Title 1"/>
+          <p:cNvSpPr>
+            <a:spLocks noGrp="1"/>
+          </p:cNvSpPr>
+          <p:nvPr>
+            <p:ph type="title"/>
+          </p:nvPr>
+        </p:nvSpPr>
+        <p:spPr/>
+        <p:txBody>
+          <a:bodyPr/>
+          <a:lstStyle/>
+          <a:p>
+            <a:r>
+              <a:rPr lang="en-US" dirty="0" smtClean="0"/>
+              <a:t>Series </a:t>
+            </a:r>
+            <a:r>
+              <a:rPr lang="en-US" dirty="0" err="1" smtClean="0"/>
+              <a:t>vs</a:t>
+            </a:r>
+            <a:r>
+              <a:rPr lang="en-US" dirty="0" smtClean="0"/>
+              <a:t> parallel circuits</a:t>
+            </a:r>
+            <a:endParaRPr lang="en-US" dirty="0"/>
+          </a:p>
+        </p:txBody>
+      </p:sp>
+      <p:pic>
+        <p:nvPicPr>
+          <p:cNvPr id="4" name="Content Placeholder 3"/>
+          <p:cNvPicPr>
+            <a:picLocks noGrp="1" noChangeAspect="1"/>
+          </p:cNvPicPr>
+          <p:nvPr>
+            <p:ph idx="1"/>
+          </p:nvPr>
+        </p:nvPicPr>
+        <p:blipFill>
+          <a:blip r:embed="rId2"/>
+          <a:srcRect l="4542" r="4542"/>
+          <a:stretch>
+            <a:fillRect/>
+          </a:stretch>
+        </p:blipFill>
+        <p:spPr>
+          <a:xfrm>
+            <a:off x="767645" y="1806223"/>
+            <a:ext cx="7470112" cy="4108274"/>
+          </a:xfrm>
+        </p:spPr>
+      </p:pic>
+    </p:spTree>
+    <p:extLst>
+      <p:ext uri="{BB962C8B-B14F-4D97-AF65-F5344CB8AC3E}">
+        <p14:creationId xmlns:p14="http://schemas.microsoft.com/office/powerpoint/2010/main" val="1560279879"/>
+      </p:ext>
+    </p:extLst>
+  </p:cSld>
+  <p:clrMapOvr>
+    <a:masterClrMapping/>
+  </p:clrMapOvr>
+</p:sld>
+</file>
+
+<file path=ppt/slides/slide16.xml><?xml version="1.0" encoding="utf-8"?>
+<p:sld xmlns:a="http://schemas.openxmlformats.org/drawingml/2006/main" xmlns:r="http://schemas.openxmlformats.org/officeDocument/2006/relationships" xmlns:p="http://schemas.openxmlformats.org/presentationml/2006/main">
+  <p:cSld>
+    <p:spTree>
+      <p:nvGrpSpPr>
+        <p:cNvPr id="1" name=""/>
+        <p:cNvGrpSpPr/>
+        <p:nvPr/>
+      </p:nvGrpSpPr>
+      <p:grpSpPr>
+        <a:xfrm>
+          <a:off x="0" y="0"/>
+          <a:ext cx="0" cy="0"/>
+          <a:chOff x="0" y="0"/>
+          <a:chExt cx="0" cy="0"/>
+        </a:xfrm>
+      </p:grpSpPr>
+      <p:pic>
+        <p:nvPicPr>
+          <p:cNvPr id="4" name="Content Placeholder 3"/>
+          <p:cNvPicPr>
+            <a:picLocks noGrp="1" noChangeAspect="1"/>
+          </p:cNvPicPr>
+          <p:nvPr>
+            <p:ph idx="1"/>
+          </p:nvPr>
+        </p:nvPicPr>
+        <p:blipFill>
+          <a:blip r:embed="rId2"/>
+          <a:srcRect t="1115" b="1115"/>
+          <a:stretch>
+            <a:fillRect/>
+          </a:stretch>
+        </p:blipFill>
+        <p:spPr>
+          <a:xfrm>
+            <a:off x="141111" y="1312332"/>
+            <a:ext cx="8753033" cy="4813831"/>
+          </a:xfrm>
+        </p:spPr>
+      </p:pic>
+    </p:spTree>
+    <p:extLst>
+      <p:ext uri="{BB962C8B-B14F-4D97-AF65-F5344CB8AC3E}">
+        <p14:creationId xmlns:p14="http://schemas.microsoft.com/office/powerpoint/2010/main" val="2361107043"/>
+      </p:ext>
+    </p:extLst>
+  </p:cSld>
+  <p:clrMapOvr>
+    <a:masterClrMapping/>
+  </p:clrMapOvr>
+</p:sld>
+</file>
+
+<file path=ppt/slides/slide17.xml><?xml version="1.0" encoding="utf-8"?>
+<p:sld xmlns:a="http://schemas.openxmlformats.org/drawingml/2006/main" xmlns:r="http://schemas.openxmlformats.org/officeDocument/2006/relationships" xmlns:p="http://schemas.openxmlformats.org/presentationml/2006/main">
+  <p:cSld>
+    <p:spTree>
+      <p:nvGrpSpPr>
+        <p:cNvPr id="1" name=""/>
+        <p:cNvGrpSpPr/>
+        <p:nvPr/>
+      </p:nvGrpSpPr>
+      <p:grpSpPr>
+        <a:xfrm>
+          <a:off x="0" y="0"/>
+          <a:ext cx="0" cy="0"/>
+          <a:chOff x="0" y="0"/>
+          <a:chExt cx="0" cy="0"/>
+        </a:xfrm>
+      </p:grpSpPr>
+      <p:sp>
+        <p:nvSpPr>
+          <p:cNvPr id="2" name="Title 1"/>
+          <p:cNvSpPr>
+            <a:spLocks noGrp="1"/>
+          </p:cNvSpPr>
+          <p:nvPr>
+            <p:ph type="title"/>
+          </p:nvPr>
+        </p:nvSpPr>
+        <p:spPr/>
+        <p:txBody>
+          <a:bodyPr/>
+          <a:lstStyle/>
+          <a:p>
+            <a:r>
+              <a:rPr lang="en-US" dirty="0" smtClean="0"/>
+              <a:t>Testing current inside LED</a:t>
+            </a:r>
+            <a:endParaRPr lang="en-US" dirty="0"/>
+          </a:p>
+        </p:txBody>
+      </p:sp>
+      <p:pic>
+        <p:nvPicPr>
+          <p:cNvPr id="4" name="Content Placeholder 3"/>
+          <p:cNvPicPr>
+            <a:picLocks noGrp="1" noChangeAspect="1"/>
+          </p:cNvPicPr>
+          <p:nvPr>
+            <p:ph idx="1"/>
+          </p:nvPr>
+        </p:nvPicPr>
+        <p:blipFill>
+          <a:blip r:embed="rId2"/>
+          <a:srcRect t="29590" b="29590"/>
+          <a:stretch>
+            <a:fillRect/>
+          </a:stretch>
+        </p:blipFill>
+        <p:spPr/>
+      </p:pic>
+    </p:spTree>
+    <p:extLst>
+      <p:ext uri="{BB962C8B-B14F-4D97-AF65-F5344CB8AC3E}">
+        <p14:creationId xmlns:p14="http://schemas.microsoft.com/office/powerpoint/2010/main" val="2347318373"/>
+      </p:ext>
+    </p:extLst>
+  </p:cSld>
+  <p:clrMapOvr>
+    <a:masterClrMapping/>
+  </p:clrMapOvr>
+</p:sld>
+</file>
+
+<file path=ppt/slides/slide18.xml><?xml version="1.0" encoding="utf-8"?>
+<p:sld xmlns:a="http://schemas.openxmlformats.org/drawingml/2006/main" xmlns:r="http://schemas.openxmlformats.org/officeDocument/2006/relationships" xmlns:p="http://schemas.openxmlformats.org/presentationml/2006/main">
+  <p:cSld>
+    <p:spTree>
+      <p:nvGrpSpPr>
+        <p:cNvPr id="1" name=""/>
+        <p:cNvGrpSpPr/>
+        <p:nvPr/>
+      </p:nvGrpSpPr>
+      <p:grpSpPr>
+        <a:xfrm>
+          <a:off x="0" y="0"/>
+          <a:ext cx="0" cy="0"/>
+          <a:chOff x="0" y="0"/>
+          <a:chExt cx="0" cy="0"/>
+        </a:xfrm>
+      </p:grpSpPr>
+      <p:sp>
+        <p:nvSpPr>
+          <p:cNvPr id="2" name="Title 1"/>
+          <p:cNvSpPr>
+            <a:spLocks noGrp="1"/>
+          </p:cNvSpPr>
+          <p:nvPr>
+            <p:ph type="title"/>
+          </p:nvPr>
+        </p:nvSpPr>
+        <p:spPr/>
+        <p:txBody>
+          <a:bodyPr/>
+          <a:lstStyle/>
+          <a:p>
+            <a:r>
+              <a:rPr lang="en-US" dirty="0" smtClean="0"/>
+              <a:t>resources</a:t>
+            </a:r>
+            <a:endParaRPr lang="en-US" dirty="0"/>
+          </a:p>
+        </p:txBody>
+      </p:sp>
+      <p:sp>
+        <p:nvSpPr>
+          <p:cNvPr id="3" name="Content Placeholder 2"/>
+          <p:cNvSpPr>
+            <a:spLocks noGrp="1"/>
+          </p:cNvSpPr>
+          <p:nvPr>
+            <p:ph idx="1"/>
+          </p:nvPr>
+        </p:nvSpPr>
+        <p:spPr/>
+        <p:txBody>
+          <a:bodyPr>
+            <a:normAutofit/>
+          </a:bodyPr>
+          <a:lstStyle/>
+          <a:p>
+            <a:r>
+              <a:rPr lang="en-US" sz="2000" dirty="0" smtClean="0">
+                <a:hlinkClick r:id="rId2"/>
+              </a:rPr>
+              <a:t>https://learn.sparkfun.com/tutorials/voltage-current-resistance-and-ohms-law</a:t>
+            </a:r>
+            <a:r>
+              <a:rPr lang="en-US" sz="2000" dirty="0" smtClean="0"/>
+              <a:t> (thumb through documentation on here. Great site)</a:t>
+            </a:r>
+          </a:p>
+          <a:p>
+            <a:r>
+              <a:rPr lang="en-US" sz="2000" dirty="0" smtClean="0"/>
+              <a:t>https://</a:t>
+            </a:r>
+            <a:r>
+              <a:rPr lang="en-US" sz="2000" dirty="0" err="1" smtClean="0"/>
+              <a:t>learn.adafruit.com</a:t>
+            </a:r>
+            <a:r>
+              <a:rPr lang="en-US" sz="2000" dirty="0" smtClean="0"/>
+              <a:t>/</a:t>
+            </a:r>
+            <a:endParaRPr lang="en-US" sz="2000" dirty="0"/>
+          </a:p>
+        </p:txBody>
+      </p:sp>
+    </p:spTree>
+    <p:extLst>
+      <p:ext uri="{BB962C8B-B14F-4D97-AF65-F5344CB8AC3E}">
+        <p14:creationId xmlns:p14="http://schemas.microsoft.com/office/powerpoint/2010/main" val="1640189417"/>
       </p:ext>
     </p:extLst>
   </p:cSld>
@@ -4320,7 +4712,15 @@
           <a:p>
             <a:r>
               <a:rPr lang="en-US" sz="2400" dirty="0" smtClean="0"/>
-              <a:t>In ohms law (which we will look at shortly) Ampere symbol is “I” instead of “C” (C is reserved for unit of measure for Coulomb)</a:t>
+              <a:t>In </a:t>
+            </a:r>
+            <a:r>
+              <a:rPr lang="en-US" sz="2400" b="1" dirty="0" smtClean="0"/>
+              <a:t>ohms law </a:t>
+            </a:r>
+            <a:r>
+              <a:rPr lang="en-US" sz="2400" dirty="0" smtClean="0"/>
+              <a:t>(which we will look at shortly) Ampere symbol is “I” instead of “C” (C is reserved for unit of measure for Coulomb)</a:t>
             </a:r>
           </a:p>
           <a:p>
@@ -4558,7 +4958,7 @@
           <a:p>
             <a:r>
               <a:rPr lang="en-US" sz="2400" b="1" dirty="0" smtClean="0"/>
-              <a:t>Current &amp; voltage are directly related to each other. So, </a:t>
+              <a:t>Current &amp; voltage are directly related to each other. </a:t>
             </a:r>
             <a:endParaRPr lang="en-US" sz="2400" b="1" dirty="0"/>
           </a:p>

--- a/Weeks/Week 2/voltage, current, resistence.pptx
+++ b/Weeks/Week 2/voltage, current, resistence.pptx
@@ -19,10 +19,12 @@
     <p:sldId id="264" r:id="rId13"/>
     <p:sldId id="271" r:id="rId14"/>
     <p:sldId id="270" r:id="rId15"/>
-    <p:sldId id="272" r:id="rId16"/>
-    <p:sldId id="274" r:id="rId17"/>
-    <p:sldId id="276" r:id="rId18"/>
-    <p:sldId id="273" r:id="rId19"/>
+    <p:sldId id="277" r:id="rId16"/>
+    <p:sldId id="272" r:id="rId17"/>
+    <p:sldId id="274" r:id="rId18"/>
+    <p:sldId id="278" r:id="rId19"/>
+    <p:sldId id="276" r:id="rId20"/>
+    <p:sldId id="273" r:id="rId21"/>
   </p:sldIdLst>
   <p:sldSz cx="9144000" cy="6858000" type="screen4x3"/>
   <p:notesSz cx="6858000" cy="9144000"/>
@@ -305,7 +307,7 @@
           <a:p>
             <a:fld id="{2324741A-9D87-6549-9637-306BEFB3E682}" type="datetimeFigureOut">
               <a:rPr lang="en-US" smtClean="0"/>
-              <a:t>2/1/15</a:t>
+              <a:t>2/4/15</a:t>
             </a:fld>
             <a:endParaRPr lang="en-US"/>
           </a:p>
@@ -475,7 +477,7 @@
           <a:p>
             <a:fld id="{2324741A-9D87-6549-9637-306BEFB3E682}" type="datetimeFigureOut">
               <a:rPr lang="en-US" smtClean="0"/>
-              <a:t>2/1/15</a:t>
+              <a:t>2/4/15</a:t>
             </a:fld>
             <a:endParaRPr lang="en-US"/>
           </a:p>
@@ -655,7 +657,7 @@
           <a:p>
             <a:fld id="{2324741A-9D87-6549-9637-306BEFB3E682}" type="datetimeFigureOut">
               <a:rPr lang="en-US" smtClean="0"/>
-              <a:t>2/1/15</a:t>
+              <a:t>2/4/15</a:t>
             </a:fld>
             <a:endParaRPr lang="en-US"/>
           </a:p>
@@ -825,7 +827,7 @@
           <a:p>
             <a:fld id="{2324741A-9D87-6549-9637-306BEFB3E682}" type="datetimeFigureOut">
               <a:rPr lang="en-US" smtClean="0"/>
-              <a:t>2/1/15</a:t>
+              <a:t>2/4/15</a:t>
             </a:fld>
             <a:endParaRPr lang="en-US"/>
           </a:p>
@@ -1071,7 +1073,7 @@
           <a:p>
             <a:fld id="{2324741A-9D87-6549-9637-306BEFB3E682}" type="datetimeFigureOut">
               <a:rPr lang="en-US" smtClean="0"/>
-              <a:t>2/1/15</a:t>
+              <a:t>2/4/15</a:t>
             </a:fld>
             <a:endParaRPr lang="en-US"/>
           </a:p>
@@ -1359,7 +1361,7 @@
           <a:p>
             <a:fld id="{2324741A-9D87-6549-9637-306BEFB3E682}" type="datetimeFigureOut">
               <a:rPr lang="en-US" smtClean="0"/>
-              <a:t>2/1/15</a:t>
+              <a:t>2/4/15</a:t>
             </a:fld>
             <a:endParaRPr lang="en-US"/>
           </a:p>
@@ -1781,7 +1783,7 @@
           <a:p>
             <a:fld id="{2324741A-9D87-6549-9637-306BEFB3E682}" type="datetimeFigureOut">
               <a:rPr lang="en-US" smtClean="0"/>
-              <a:t>2/1/15</a:t>
+              <a:t>2/4/15</a:t>
             </a:fld>
             <a:endParaRPr lang="en-US"/>
           </a:p>
@@ -1899,7 +1901,7 @@
           <a:p>
             <a:fld id="{2324741A-9D87-6549-9637-306BEFB3E682}" type="datetimeFigureOut">
               <a:rPr lang="en-US" smtClean="0"/>
-              <a:t>2/1/15</a:t>
+              <a:t>2/4/15</a:t>
             </a:fld>
             <a:endParaRPr lang="en-US"/>
           </a:p>
@@ -1994,7 +1996,7 @@
           <a:p>
             <a:fld id="{2324741A-9D87-6549-9637-306BEFB3E682}" type="datetimeFigureOut">
               <a:rPr lang="en-US" smtClean="0"/>
-              <a:t>2/1/15</a:t>
+              <a:t>2/4/15</a:t>
             </a:fld>
             <a:endParaRPr lang="en-US"/>
           </a:p>
@@ -2271,7 +2273,7 @@
           <a:p>
             <a:fld id="{2324741A-9D87-6549-9637-306BEFB3E682}" type="datetimeFigureOut">
               <a:rPr lang="en-US" smtClean="0"/>
-              <a:t>2/1/15</a:t>
+              <a:t>2/4/15</a:t>
             </a:fld>
             <a:endParaRPr lang="en-US"/>
           </a:p>
@@ -2524,7 +2526,7 @@
           <a:p>
             <a:fld id="{2324741A-9D87-6549-9637-306BEFB3E682}" type="datetimeFigureOut">
               <a:rPr lang="en-US" smtClean="0"/>
-              <a:t>2/1/15</a:t>
+              <a:t>2/4/15</a:t>
             </a:fld>
             <a:endParaRPr lang="en-US"/>
           </a:p>
@@ -2737,7 +2739,7 @@
           <a:p>
             <a:fld id="{2324741A-9D87-6549-9637-306BEFB3E682}" type="datetimeFigureOut">
               <a:rPr lang="en-US" smtClean="0"/>
-              <a:t>2/1/15</a:t>
+              <a:t>2/4/15</a:t>
             </a:fld>
             <a:endParaRPr lang="en-US"/>
           </a:p>
@@ -3672,10 +3674,48 @@
           <a:p>
             <a:r>
               <a:rPr lang="en-US" dirty="0" smtClean="0"/>
-              <a:t>Electrical component creating resistance in a circuit &amp; at same time lower voltage levels (remember how current/voltage is directly related? )</a:t>
-            </a:r>
-          </a:p>
-          <a:p>
+              <a:t>Electrical component creating resistance in a circuit &amp; at same time lower voltage levels (remember how current/voltage is directly related? </a:t>
+            </a:r>
+            <a:r>
+              <a:rPr lang="en-US" dirty="0" smtClean="0"/>
+              <a:t>)</a:t>
+            </a:r>
+          </a:p>
+          <a:p>
+            <a:r>
+              <a:rPr lang="en-US" dirty="0" smtClean="0"/>
+              <a:t>Only consume power.</a:t>
+            </a:r>
+          </a:p>
+          <a:p>
+            <a:r>
+              <a:rPr lang="en-US" dirty="0" smtClean="0"/>
+              <a:t>Resistor measured in ohms </a:t>
+            </a:r>
+            <a:r>
+              <a:rPr lang="el-GR" dirty="0" smtClean="0"/>
+              <a:t>Ω</a:t>
+            </a:r>
+            <a:r>
+              <a:rPr lang="en-US" dirty="0" smtClean="0"/>
+              <a:t> . (ohm, </a:t>
+            </a:r>
+            <a:r>
+              <a:rPr lang="en-US" dirty="0" err="1" smtClean="0"/>
+              <a:t>kiloohm</a:t>
+            </a:r>
+            <a:r>
+              <a:rPr lang="en-US" dirty="0" smtClean="0"/>
+              <a:t>, </a:t>
+            </a:r>
+            <a:r>
+              <a:rPr lang="en-US" dirty="0" err="1" smtClean="0"/>
+              <a:t>megaohm</a:t>
+            </a:r>
+            <a:r>
+              <a:rPr lang="en-US" dirty="0" smtClean="0"/>
+              <a:t>)</a:t>
+            </a:r>
             <a:endParaRPr lang="en-US" dirty="0"/>
           </a:p>
         </p:txBody>
@@ -3815,6 +3855,83 @@
           <a:p>
             <a:r>
               <a:rPr lang="en-US" dirty="0" smtClean="0"/>
+              <a:t>Shapes, colors, sizes</a:t>
+            </a:r>
+            <a:endParaRPr lang="en-US" dirty="0"/>
+          </a:p>
+        </p:txBody>
+      </p:sp>
+      <p:pic>
+        <p:nvPicPr>
+          <p:cNvPr id="4" name="Picture 3"/>
+          <p:cNvPicPr>
+            <a:picLocks noChangeAspect="1"/>
+          </p:cNvPicPr>
+          <p:nvPr/>
+        </p:nvPicPr>
+        <p:blipFill>
+          <a:blip r:embed="rId2"/>
+          <a:stretch>
+            <a:fillRect/>
+          </a:stretch>
+        </p:blipFill>
+        <p:spPr>
+          <a:xfrm>
+            <a:off x="762000" y="2349500"/>
+            <a:ext cx="7620000" cy="2146300"/>
+          </a:xfrm>
+          <a:prstGeom prst="rect">
+            <a:avLst/>
+          </a:prstGeom>
+        </p:spPr>
+      </p:pic>
+    </p:spTree>
+    <p:extLst>
+      <p:ext uri="{BB962C8B-B14F-4D97-AF65-F5344CB8AC3E}">
+        <p14:creationId xmlns:p14="http://schemas.microsoft.com/office/powerpoint/2010/main" val="2343354811"/>
+      </p:ext>
+    </p:extLst>
+  </p:cSld>
+  <p:clrMapOvr>
+    <a:masterClrMapping/>
+  </p:clrMapOvr>
+</p:sld>
+</file>
+
+<file path=ppt/slides/slide16.xml><?xml version="1.0" encoding="utf-8"?>
+<p:sld xmlns:a="http://schemas.openxmlformats.org/drawingml/2006/main" xmlns:r="http://schemas.openxmlformats.org/officeDocument/2006/relationships" xmlns:p="http://schemas.openxmlformats.org/presentationml/2006/main">
+  <p:cSld>
+    <p:spTree>
+      <p:nvGrpSpPr>
+        <p:cNvPr id="1" name=""/>
+        <p:cNvGrpSpPr/>
+        <p:nvPr/>
+      </p:nvGrpSpPr>
+      <p:grpSpPr>
+        <a:xfrm>
+          <a:off x="0" y="0"/>
+          <a:ext cx="0" cy="0"/>
+          <a:chOff x="0" y="0"/>
+          <a:chExt cx="0" cy="0"/>
+        </a:xfrm>
+      </p:grpSpPr>
+      <p:sp>
+        <p:nvSpPr>
+          <p:cNvPr id="2" name="Title 1"/>
+          <p:cNvSpPr>
+            <a:spLocks noGrp="1"/>
+          </p:cNvSpPr>
+          <p:nvPr>
+            <p:ph type="title"/>
+          </p:nvPr>
+        </p:nvSpPr>
+        <p:spPr/>
+        <p:txBody>
+          <a:bodyPr/>
+          <a:lstStyle/>
+          <a:p>
+            <a:r>
+              <a:rPr lang="en-US" dirty="0" smtClean="0"/>
               <a:t>Series </a:t>
             </a:r>
             <a:r>
@@ -3866,7 +3983,7 @@
 </p:sld>
 </file>
 
-<file path=ppt/slides/slide16.xml><?xml version="1.0" encoding="utf-8"?>
+<file path=ppt/slides/slide17.xml><?xml version="1.0" encoding="utf-8"?>
 <p:sld xmlns:a="http://schemas.openxmlformats.org/drawingml/2006/main" xmlns:r="http://schemas.openxmlformats.org/officeDocument/2006/relationships" xmlns:p="http://schemas.openxmlformats.org/presentationml/2006/main">
   <p:cSld>
     <p:spTree>
@@ -3920,78 +4037,6 @@
 </p:sld>
 </file>
 
-<file path=ppt/slides/slide17.xml><?xml version="1.0" encoding="utf-8"?>
-<p:sld xmlns:a="http://schemas.openxmlformats.org/drawingml/2006/main" xmlns:r="http://schemas.openxmlformats.org/officeDocument/2006/relationships" xmlns:p="http://schemas.openxmlformats.org/presentationml/2006/main">
-  <p:cSld>
-    <p:spTree>
-      <p:nvGrpSpPr>
-        <p:cNvPr id="1" name=""/>
-        <p:cNvGrpSpPr/>
-        <p:nvPr/>
-      </p:nvGrpSpPr>
-      <p:grpSpPr>
-        <a:xfrm>
-          <a:off x="0" y="0"/>
-          <a:ext cx="0" cy="0"/>
-          <a:chOff x="0" y="0"/>
-          <a:chExt cx="0" cy="0"/>
-        </a:xfrm>
-      </p:grpSpPr>
-      <p:sp>
-        <p:nvSpPr>
-          <p:cNvPr id="2" name="Title 1"/>
-          <p:cNvSpPr>
-            <a:spLocks noGrp="1"/>
-          </p:cNvSpPr>
-          <p:nvPr>
-            <p:ph type="title"/>
-          </p:nvPr>
-        </p:nvSpPr>
-        <p:spPr/>
-        <p:txBody>
-          <a:bodyPr/>
-          <a:lstStyle/>
-          <a:p>
-            <a:r>
-              <a:rPr lang="en-US" dirty="0" smtClean="0"/>
-              <a:t>Testing current inside LED</a:t>
-            </a:r>
-            <a:endParaRPr lang="en-US" dirty="0"/>
-          </a:p>
-        </p:txBody>
-      </p:sp>
-      <p:pic>
-        <p:nvPicPr>
-          <p:cNvPr id="4" name="Content Placeholder 3"/>
-          <p:cNvPicPr>
-            <a:picLocks noGrp="1" noChangeAspect="1"/>
-          </p:cNvPicPr>
-          <p:nvPr>
-            <p:ph idx="1"/>
-          </p:nvPr>
-        </p:nvPicPr>
-        <p:blipFill>
-          <a:blip r:embed="rId2"/>
-          <a:srcRect t="29590" b="29590"/>
-          <a:stretch>
-            <a:fillRect/>
-          </a:stretch>
-        </p:blipFill>
-        <p:spPr/>
-      </p:pic>
-    </p:spTree>
-    <p:extLst>
-      <p:ext uri="{BB962C8B-B14F-4D97-AF65-F5344CB8AC3E}">
-        <p14:creationId xmlns:p14="http://schemas.microsoft.com/office/powerpoint/2010/main" val="2347318373"/>
-      </p:ext>
-    </p:extLst>
-  </p:cSld>
-  <p:clrMapOvr>
-    <a:masterClrMapping/>
-  </p:clrMapOvr>
-</p:sld>
-</file>
-
 <file path=ppt/slides/slide18.xml><?xml version="1.0" encoding="utf-8"?>
 <p:sld xmlns:a="http://schemas.openxmlformats.org/drawingml/2006/main" xmlns:r="http://schemas.openxmlformats.org/officeDocument/2006/relationships" xmlns:p="http://schemas.openxmlformats.org/presentationml/2006/main">
   <p:cSld>
@@ -4025,62 +4070,151 @@
           <a:lstStyle/>
           <a:p>
             <a:r>
-              <a:rPr lang="en-US" dirty="0" smtClean="0"/>
-              <a:t>resources</a:t>
+              <a:rPr lang="en-US" dirty="0" err="1" smtClean="0"/>
+              <a:t>Leds</a:t>
+            </a:r>
+            <a:r>
+              <a:rPr lang="en-US" dirty="0" smtClean="0"/>
+              <a:t> series &amp; parallel combo</a:t>
             </a:r>
             <a:endParaRPr lang="en-US" dirty="0"/>
           </a:p>
         </p:txBody>
       </p:sp>
-      <p:sp>
-        <p:nvSpPr>
-          <p:cNvPr id="3" name="Content Placeholder 2"/>
-          <p:cNvSpPr>
-            <a:spLocks noGrp="1"/>
-          </p:cNvSpPr>
-          <p:nvPr>
-            <p:ph idx="1"/>
-          </p:nvPr>
-        </p:nvSpPr>
-        <p:spPr/>
-        <p:txBody>
-          <a:bodyPr>
-            <a:normAutofit/>
+      <p:pic>
+        <p:nvPicPr>
+          <p:cNvPr id="4" name="Picture 3"/>
+          <p:cNvPicPr>
+            <a:picLocks noChangeAspect="1"/>
+          </p:cNvPicPr>
+          <p:nvPr/>
+        </p:nvPicPr>
+        <p:blipFill>
+          <a:blip r:embed="rId2"/>
+          <a:stretch>
+            <a:fillRect/>
+          </a:stretch>
+        </p:blipFill>
+        <p:spPr>
+          <a:xfrm>
+            <a:off x="1579032" y="3351389"/>
+            <a:ext cx="6183255" cy="3506611"/>
+          </a:xfrm>
+          <a:prstGeom prst="rect">
+            <a:avLst/>
+          </a:prstGeom>
+        </p:spPr>
+      </p:pic>
+      <p:sp>
+        <p:nvSpPr>
+          <p:cNvPr id="5" name="TextBox 4"/>
+          <p:cNvSpPr txBox="1"/>
+          <p:nvPr/>
+        </p:nvSpPr>
+        <p:spPr>
+          <a:xfrm>
+            <a:off x="1862666" y="1535668"/>
+            <a:ext cx="4532010" cy="369332"/>
+          </a:xfrm>
+          <a:prstGeom prst="rect">
+            <a:avLst/>
+          </a:prstGeom>
+          <a:noFill/>
+        </p:spPr>
+        <p:txBody>
+          <a:bodyPr wrap="none" rtlCol="0">
+            <a:spAutoFit/>
           </a:bodyPr>
           <a:lstStyle/>
           <a:p>
-            <a:r>
-              <a:rPr lang="en-US" sz="2000" dirty="0" smtClean="0">
-                <a:hlinkClick r:id="rId2"/>
-              </a:rPr>
-              <a:t>https://learn.sparkfun.com/tutorials/voltage-current-resistance-and-ohms-law</a:t>
-            </a:r>
-            <a:r>
-              <a:rPr lang="en-US" sz="2000" dirty="0" smtClean="0"/>
-              <a:t> (thumb through documentation on here. Great site)</a:t>
-            </a:r>
-          </a:p>
-          <a:p>
-            <a:r>
-              <a:rPr lang="en-US" sz="2000" dirty="0" smtClean="0"/>
-              <a:t>https://</a:t>
-            </a:r>
-            <a:r>
-              <a:rPr lang="en-US" sz="2000" dirty="0" err="1" smtClean="0"/>
-              <a:t>learn.adafruit.com</a:t>
-            </a:r>
-            <a:r>
-              <a:rPr lang="en-US" sz="2000" dirty="0" smtClean="0"/>
-              <a:t>/</a:t>
-            </a:r>
-            <a:endParaRPr lang="en-US" sz="2000" dirty="0"/>
+            <a:pPr marL="285750" indent="-285750">
+              <a:buFont typeface="Arial"/>
+              <a:buChar char="•"/>
+            </a:pPr>
+            <a:r>
+              <a:rPr lang="en-US" dirty="0" smtClean="0"/>
+              <a:t>Voltage in Ohms law increases! 3 LEDs = 9V</a:t>
+            </a:r>
+            <a:endParaRPr lang="en-US" dirty="0"/>
           </a:p>
         </p:txBody>
       </p:sp>
     </p:spTree>
     <p:extLst>
       <p:ext uri="{BB962C8B-B14F-4D97-AF65-F5344CB8AC3E}">
-        <p14:creationId xmlns:p14="http://schemas.microsoft.com/office/powerpoint/2010/main" val="1640189417"/>
+        <p14:creationId xmlns:p14="http://schemas.microsoft.com/office/powerpoint/2010/main" val="3400298066"/>
+      </p:ext>
+    </p:extLst>
+  </p:cSld>
+  <p:clrMapOvr>
+    <a:masterClrMapping/>
+  </p:clrMapOvr>
+</p:sld>
+</file>
+
+<file path=ppt/slides/slide19.xml><?xml version="1.0" encoding="utf-8"?>
+<p:sld xmlns:a="http://schemas.openxmlformats.org/drawingml/2006/main" xmlns:r="http://schemas.openxmlformats.org/officeDocument/2006/relationships" xmlns:p="http://schemas.openxmlformats.org/presentationml/2006/main">
+  <p:cSld>
+    <p:spTree>
+      <p:nvGrpSpPr>
+        <p:cNvPr id="1" name=""/>
+        <p:cNvGrpSpPr/>
+        <p:nvPr/>
+      </p:nvGrpSpPr>
+      <p:grpSpPr>
+        <a:xfrm>
+          <a:off x="0" y="0"/>
+          <a:ext cx="0" cy="0"/>
+          <a:chOff x="0" y="0"/>
+          <a:chExt cx="0" cy="0"/>
+        </a:xfrm>
+      </p:grpSpPr>
+      <p:sp>
+        <p:nvSpPr>
+          <p:cNvPr id="2" name="Title 1"/>
+          <p:cNvSpPr>
+            <a:spLocks noGrp="1"/>
+          </p:cNvSpPr>
+          <p:nvPr>
+            <p:ph type="title"/>
+          </p:nvPr>
+        </p:nvSpPr>
+        <p:spPr/>
+        <p:txBody>
+          <a:bodyPr/>
+          <a:lstStyle/>
+          <a:p>
+            <a:r>
+              <a:rPr lang="en-US" dirty="0" smtClean="0"/>
+              <a:t>Testing current inside LED</a:t>
+            </a:r>
+            <a:endParaRPr lang="en-US" dirty="0"/>
+          </a:p>
+        </p:txBody>
+      </p:sp>
+      <p:pic>
+        <p:nvPicPr>
+          <p:cNvPr id="4" name="Content Placeholder 3"/>
+          <p:cNvPicPr>
+            <a:picLocks noGrp="1" noChangeAspect="1"/>
+          </p:cNvPicPr>
+          <p:nvPr>
+            <p:ph idx="1"/>
+          </p:nvPr>
+        </p:nvPicPr>
+        <p:blipFill>
+          <a:blip r:embed="rId2"/>
+          <a:srcRect t="29590" b="29590"/>
+          <a:stretch>
+            <a:fillRect/>
+          </a:stretch>
+        </p:blipFill>
+        <p:spPr/>
+      </p:pic>
+    </p:spTree>
+    <p:extLst>
+      <p:ext uri="{BB962C8B-B14F-4D97-AF65-F5344CB8AC3E}">
+        <p14:creationId xmlns:p14="http://schemas.microsoft.com/office/powerpoint/2010/main" val="2347318373"/>
       </p:ext>
     </p:extLst>
   </p:cSld>
@@ -4188,6 +4322,104 @@
     <p:extLst>
       <p:ext uri="{BB962C8B-B14F-4D97-AF65-F5344CB8AC3E}">
         <p14:creationId xmlns:p14="http://schemas.microsoft.com/office/powerpoint/2010/main" val="78265823"/>
+      </p:ext>
+    </p:extLst>
+  </p:cSld>
+  <p:clrMapOvr>
+    <a:masterClrMapping/>
+  </p:clrMapOvr>
+</p:sld>
+</file>
+
+<file path=ppt/slides/slide20.xml><?xml version="1.0" encoding="utf-8"?>
+<p:sld xmlns:a="http://schemas.openxmlformats.org/drawingml/2006/main" xmlns:r="http://schemas.openxmlformats.org/officeDocument/2006/relationships" xmlns:p="http://schemas.openxmlformats.org/presentationml/2006/main">
+  <p:cSld>
+    <p:spTree>
+      <p:nvGrpSpPr>
+        <p:cNvPr id="1" name=""/>
+        <p:cNvGrpSpPr/>
+        <p:nvPr/>
+      </p:nvGrpSpPr>
+      <p:grpSpPr>
+        <a:xfrm>
+          <a:off x="0" y="0"/>
+          <a:ext cx="0" cy="0"/>
+          <a:chOff x="0" y="0"/>
+          <a:chExt cx="0" cy="0"/>
+        </a:xfrm>
+      </p:grpSpPr>
+      <p:sp>
+        <p:nvSpPr>
+          <p:cNvPr id="2" name="Title 1"/>
+          <p:cNvSpPr>
+            <a:spLocks noGrp="1"/>
+          </p:cNvSpPr>
+          <p:nvPr>
+            <p:ph type="title"/>
+          </p:nvPr>
+        </p:nvSpPr>
+        <p:spPr/>
+        <p:txBody>
+          <a:bodyPr/>
+          <a:lstStyle/>
+          <a:p>
+            <a:r>
+              <a:rPr lang="en-US" dirty="0" smtClean="0"/>
+              <a:t>resources</a:t>
+            </a:r>
+            <a:endParaRPr lang="en-US" dirty="0"/>
+          </a:p>
+        </p:txBody>
+      </p:sp>
+      <p:sp>
+        <p:nvSpPr>
+          <p:cNvPr id="3" name="Content Placeholder 2"/>
+          <p:cNvSpPr>
+            <a:spLocks noGrp="1"/>
+          </p:cNvSpPr>
+          <p:nvPr>
+            <p:ph idx="1"/>
+          </p:nvPr>
+        </p:nvSpPr>
+        <p:spPr/>
+        <p:txBody>
+          <a:bodyPr>
+            <a:normAutofit/>
+          </a:bodyPr>
+          <a:lstStyle/>
+          <a:p>
+            <a:r>
+              <a:rPr lang="en-US" sz="2000" dirty="0" smtClean="0">
+                <a:hlinkClick r:id="rId2"/>
+              </a:rPr>
+              <a:t>https://learn.sparkfun.com/tutorials/voltage-current-resistance-and-ohms-law</a:t>
+            </a:r>
+            <a:r>
+              <a:rPr lang="en-US" sz="2000" dirty="0" smtClean="0"/>
+              <a:t> (thumb through documentation on here. Great site)</a:t>
+            </a:r>
+          </a:p>
+          <a:p>
+            <a:r>
+              <a:rPr lang="en-US" sz="2000" dirty="0" smtClean="0">
+                <a:hlinkClick r:id="rId3"/>
+              </a:rPr>
+              <a:t>https://learn.adafruit.com</a:t>
+            </a:r>
+            <a:r>
+              <a:rPr lang="en-US" sz="2000" dirty="0" smtClean="0">
+                <a:hlinkClick r:id="rId3"/>
+              </a:rPr>
+              <a:t>/</a:t>
+            </a:r>
+            <a:endParaRPr lang="en-US" sz="2000" dirty="0" smtClean="0"/>
+          </a:p>
+        </p:txBody>
+      </p:sp>
+    </p:spTree>
+    <p:extLst>
+      <p:ext uri="{BB962C8B-B14F-4D97-AF65-F5344CB8AC3E}">
+        <p14:creationId xmlns:p14="http://schemas.microsoft.com/office/powerpoint/2010/main" val="1640189417"/>
       </p:ext>
     </p:extLst>
   </p:cSld>
